--- a/Personal Website/photo and doc for site/Yeni Microsoft PowerPoint Sunusu.pptx
+++ b/Personal Website/photo and doc for site/Yeni Microsoft PowerPoint Sunusu.pptx
@@ -8,6 +8,8 @@
     <p:sldId id="256" r:id="rId2"/>
     <p:sldId id="258" r:id="rId3"/>
     <p:sldId id="257" r:id="rId4"/>
+    <p:sldId id="260" r:id="rId5"/>
+    <p:sldId id="259" r:id="rId6"/>
   </p:sldIdLst>
   <p:sldSz cx="12192000" cy="6858000"/>
   <p:notesSz cx="6858000" cy="9144000"/>
@@ -261,7 +263,7 @@
           <a:p>
             <a:fld id="{8AE34FB5-B577-41B3-81A4-6254BC188234}" type="datetimeFigureOut">
               <a:rPr lang="tr-TR" smtClean="0"/>
-              <a:t>20.03.2022</a:t>
+              <a:t>21.03.2022</a:t>
             </a:fld>
             <a:endParaRPr lang="tr-TR"/>
           </a:p>
@@ -459,7 +461,7 @@
           <a:p>
             <a:fld id="{8AE34FB5-B577-41B3-81A4-6254BC188234}" type="datetimeFigureOut">
               <a:rPr lang="tr-TR" smtClean="0"/>
-              <a:t>20.03.2022</a:t>
+              <a:t>21.03.2022</a:t>
             </a:fld>
             <a:endParaRPr lang="tr-TR"/>
           </a:p>
@@ -667,7 +669,7 @@
           <a:p>
             <a:fld id="{8AE34FB5-B577-41B3-81A4-6254BC188234}" type="datetimeFigureOut">
               <a:rPr lang="tr-TR" smtClean="0"/>
-              <a:t>20.03.2022</a:t>
+              <a:t>21.03.2022</a:t>
             </a:fld>
             <a:endParaRPr lang="tr-TR"/>
           </a:p>
@@ -865,7 +867,7 @@
           <a:p>
             <a:fld id="{8AE34FB5-B577-41B3-81A4-6254BC188234}" type="datetimeFigureOut">
               <a:rPr lang="tr-TR" smtClean="0"/>
-              <a:t>20.03.2022</a:t>
+              <a:t>21.03.2022</a:t>
             </a:fld>
             <a:endParaRPr lang="tr-TR"/>
           </a:p>
@@ -1140,7 +1142,7 @@
           <a:p>
             <a:fld id="{8AE34FB5-B577-41B3-81A4-6254BC188234}" type="datetimeFigureOut">
               <a:rPr lang="tr-TR" smtClean="0"/>
-              <a:t>20.03.2022</a:t>
+              <a:t>21.03.2022</a:t>
             </a:fld>
             <a:endParaRPr lang="tr-TR"/>
           </a:p>
@@ -1405,7 +1407,7 @@
           <a:p>
             <a:fld id="{8AE34FB5-B577-41B3-81A4-6254BC188234}" type="datetimeFigureOut">
               <a:rPr lang="tr-TR" smtClean="0"/>
-              <a:t>20.03.2022</a:t>
+              <a:t>21.03.2022</a:t>
             </a:fld>
             <a:endParaRPr lang="tr-TR"/>
           </a:p>
@@ -1817,7 +1819,7 @@
           <a:p>
             <a:fld id="{8AE34FB5-B577-41B3-81A4-6254BC188234}" type="datetimeFigureOut">
               <a:rPr lang="tr-TR" smtClean="0"/>
-              <a:t>20.03.2022</a:t>
+              <a:t>21.03.2022</a:t>
             </a:fld>
             <a:endParaRPr lang="tr-TR"/>
           </a:p>
@@ -1958,7 +1960,7 @@
           <a:p>
             <a:fld id="{8AE34FB5-B577-41B3-81A4-6254BC188234}" type="datetimeFigureOut">
               <a:rPr lang="tr-TR" smtClean="0"/>
-              <a:t>20.03.2022</a:t>
+              <a:t>21.03.2022</a:t>
             </a:fld>
             <a:endParaRPr lang="tr-TR"/>
           </a:p>
@@ -2071,7 +2073,7 @@
           <a:p>
             <a:fld id="{8AE34FB5-B577-41B3-81A4-6254BC188234}" type="datetimeFigureOut">
               <a:rPr lang="tr-TR" smtClean="0"/>
-              <a:t>20.03.2022</a:t>
+              <a:t>21.03.2022</a:t>
             </a:fld>
             <a:endParaRPr lang="tr-TR"/>
           </a:p>
@@ -2382,7 +2384,7 @@
           <a:p>
             <a:fld id="{8AE34FB5-B577-41B3-81A4-6254BC188234}" type="datetimeFigureOut">
               <a:rPr lang="tr-TR" smtClean="0"/>
-              <a:t>20.03.2022</a:t>
+              <a:t>21.03.2022</a:t>
             </a:fld>
             <a:endParaRPr lang="tr-TR"/>
           </a:p>
@@ -2670,7 +2672,7 @@
           <a:p>
             <a:fld id="{8AE34FB5-B577-41B3-81A4-6254BC188234}" type="datetimeFigureOut">
               <a:rPr lang="tr-TR" smtClean="0"/>
-              <a:t>20.03.2022</a:t>
+              <a:t>21.03.2022</a:t>
             </a:fld>
             <a:endParaRPr lang="tr-TR"/>
           </a:p>
@@ -2911,7 +2913,7 @@
           <a:p>
             <a:fld id="{8AE34FB5-B577-41B3-81A4-6254BC188234}" type="datetimeFigureOut">
               <a:rPr lang="tr-TR" smtClean="0"/>
-              <a:t>20.03.2022</a:t>
+              <a:t>21.03.2022</a:t>
             </a:fld>
             <a:endParaRPr lang="tr-TR"/>
           </a:p>
@@ -4251,7 +4253,7 @@
         </p:blipFill>
         <p:spPr>
           <a:xfrm>
-            <a:off x="8355676" y="2935951"/>
+            <a:off x="10223113" y="4545810"/>
             <a:ext cx="1500447" cy="1729047"/>
           </a:xfrm>
           <a:prstGeom prst="rect">
@@ -4287,7 +4289,7 @@
         </p:blipFill>
         <p:spPr>
           <a:xfrm>
-            <a:off x="5117176" y="3516976"/>
+            <a:off x="10682967" y="2564476"/>
             <a:ext cx="1500447" cy="1729047"/>
           </a:xfrm>
           <a:prstGeom prst="ellipse">
@@ -4305,6 +4307,322 @@
     <p:extLst>
       <p:ext uri="{BB962C8B-B14F-4D97-AF65-F5344CB8AC3E}">
         <p14:creationId xmlns:p14="http://schemas.microsoft.com/office/powerpoint/2010/main" val="1401106248"/>
+      </p:ext>
+    </p:extLst>
+  </p:cSld>
+  <p:clrMapOvr>
+    <a:masterClrMapping/>
+  </p:clrMapOvr>
+</p:sld>
+</file>
+
+<file path=ppt/slides/slide4.xml><?xml version="1.0" encoding="utf-8"?>
+<p:sld xmlns:a="http://schemas.openxmlformats.org/drawingml/2006/main" xmlns:r="http://schemas.openxmlformats.org/officeDocument/2006/relationships" xmlns:p="http://schemas.openxmlformats.org/presentationml/2006/main">
+  <p:cSld>
+    <p:spTree>
+      <p:nvGrpSpPr>
+        <p:cNvPr id="1" name=""/>
+        <p:cNvGrpSpPr/>
+        <p:nvPr/>
+      </p:nvGrpSpPr>
+      <p:grpSpPr>
+        <a:xfrm>
+          <a:off x="0" y="0"/>
+          <a:ext cx="0" cy="0"/>
+          <a:chOff x="0" y="0"/>
+          <a:chExt cx="0" cy="0"/>
+        </a:xfrm>
+      </p:grpSpPr>
+      <p:pic>
+        <p:nvPicPr>
+          <p:cNvPr id="1026" name="Picture 2" descr="Graphic of a notebook with the word skills written">
+            <a:extLst>
+              <a:ext uri="{FF2B5EF4-FFF2-40B4-BE49-F238E27FC236}">
+                <a16:creationId xmlns:a16="http://schemas.microsoft.com/office/drawing/2014/main" id="{E936AB58-5FE1-4043-9C3D-519B49864AD2}"/>
+              </a:ext>
+            </a:extLst>
+          </p:cNvPr>
+          <p:cNvPicPr>
+            <a:picLocks noChangeAspect="1" noChangeArrowheads="1"/>
+          </p:cNvPicPr>
+          <p:nvPr/>
+        </p:nvPicPr>
+        <p:blipFill>
+          <a:blip r:embed="rId2">
+            <a:extLst>
+              <a:ext uri="{28A0092B-C50C-407E-A947-70E740481C1C}">
+                <a14:useLocalDpi xmlns:a14="http://schemas.microsoft.com/office/drawing/2010/main" val="0"/>
+              </a:ext>
+            </a:extLst>
+          </a:blip>
+          <a:srcRect/>
+          <a:stretch>
+            <a:fillRect/>
+          </a:stretch>
+        </p:blipFill>
+        <p:spPr bwMode="auto">
+          <a:xfrm>
+            <a:off x="2286000" y="1190625"/>
+            <a:ext cx="8622406" cy="4476750"/>
+          </a:xfrm>
+          <a:prstGeom prst="rect">
+            <a:avLst/>
+          </a:prstGeom>
+          <a:solidFill>
+            <a:srgbClr val="FFFFFF">
+              <a:shade val="85000"/>
+            </a:srgbClr>
+          </a:solidFill>
+          <a:ln w="101600" cap="sq">
+            <a:solidFill>
+              <a:srgbClr val="FDFDFD"/>
+            </a:solidFill>
+            <a:miter lim="800000"/>
+          </a:ln>
+          <a:effectLst>
+            <a:outerShdw blurRad="152400" dist="317500" dir="5400000" sx="90000" sy="-19000" rotWithShape="0">
+              <a:prstClr val="black">
+                <a:alpha val="15000"/>
+              </a:prstClr>
+            </a:outerShdw>
+          </a:effectLst>
+          <a:scene3d>
+            <a:camera prst="perspectiveRelaxed">
+              <a:rot lat="18960000" lon="0" rev="0"/>
+            </a:camera>
+            <a:lightRig rig="twoPt" dir="t">
+              <a:rot lat="0" lon="0" rev="7200000"/>
+            </a:lightRig>
+          </a:scene3d>
+          <a:sp3d prstMaterial="matte">
+            <a:bevelT w="22860" h="12700"/>
+            <a:contourClr>
+              <a:srgbClr val="FFFFFF"/>
+            </a:contourClr>
+          </a:sp3d>
+          <a:extLst>
+            <a:ext uri="{909E8E84-426E-40DD-AFC4-6F175D3DCCD1}">
+              <a14:hiddenFill xmlns:a14="http://schemas.microsoft.com/office/drawing/2010/main">
+                <a:solidFill>
+                  <a:srgbClr val="FFFFFF"/>
+                </a:solidFill>
+              </a14:hiddenFill>
+            </a:ext>
+          </a:extLst>
+        </p:spPr>
+      </p:pic>
+    </p:spTree>
+    <p:extLst>
+      <p:ext uri="{BB962C8B-B14F-4D97-AF65-F5344CB8AC3E}">
+        <p14:creationId xmlns:p14="http://schemas.microsoft.com/office/powerpoint/2010/main" val="1822276955"/>
+      </p:ext>
+    </p:extLst>
+  </p:cSld>
+  <p:clrMapOvr>
+    <a:masterClrMapping/>
+  </p:clrMapOvr>
+</p:sld>
+</file>
+
+<file path=ppt/slides/slide5.xml><?xml version="1.0" encoding="utf-8"?>
+<p:sld xmlns:a="http://schemas.openxmlformats.org/drawingml/2006/main" xmlns:r="http://schemas.openxmlformats.org/officeDocument/2006/relationships" xmlns:p="http://schemas.openxmlformats.org/presentationml/2006/main">
+  <p:cSld>
+    <p:spTree>
+      <p:nvGrpSpPr>
+        <p:cNvPr id="1" name=""/>
+        <p:cNvGrpSpPr/>
+        <p:nvPr/>
+      </p:nvGrpSpPr>
+      <p:grpSpPr>
+        <a:xfrm>
+          <a:off x="0" y="0"/>
+          <a:ext cx="0" cy="0"/>
+          <a:chOff x="0" y="0"/>
+          <a:chExt cx="0" cy="0"/>
+        </a:xfrm>
+      </p:grpSpPr>
+      <p:pic>
+        <p:nvPicPr>
+          <p:cNvPr id="1026" name="Picture 2" descr="Gmail Logo | Anlamı, Tarih, PNG">
+            <a:extLst>
+              <a:ext uri="{FF2B5EF4-FFF2-40B4-BE49-F238E27FC236}">
+                <a16:creationId xmlns:a16="http://schemas.microsoft.com/office/drawing/2014/main" id="{BF35344A-CF78-4C32-A964-203A254C82FB}"/>
+              </a:ext>
+            </a:extLst>
+          </p:cNvPr>
+          <p:cNvPicPr>
+            <a:picLocks noChangeAspect="1" noChangeArrowheads="1"/>
+          </p:cNvPicPr>
+          <p:nvPr/>
+        </p:nvPicPr>
+        <p:blipFill rotWithShape="1">
+          <a:blip r:embed="rId2">
+            <a:extLst>
+              <a:ext uri="{28A0092B-C50C-407E-A947-70E740481C1C}">
+                <a14:useLocalDpi xmlns:a14="http://schemas.microsoft.com/office/drawing/2010/main" val="0"/>
+              </a:ext>
+            </a:extLst>
+          </a:blip>
+          <a:srcRect l="10789" r="10439"/>
+          <a:stretch/>
+        </p:blipFill>
+        <p:spPr bwMode="auto">
+          <a:xfrm>
+            <a:off x="4166789" y="2606420"/>
+            <a:ext cx="439938" cy="366227"/>
+          </a:xfrm>
+          <a:prstGeom prst="rect">
+            <a:avLst/>
+          </a:prstGeom>
+          <a:extLst>
+            <a:ext uri="{909E8E84-426E-40DD-AFC4-6F175D3DCCD1}">
+              <a14:hiddenFill xmlns:a14="http://schemas.microsoft.com/office/drawing/2010/main">
+                <a:solidFill>
+                  <a:srgbClr val="FFFFFF"/>
+                </a:solidFill>
+              </a14:hiddenFill>
+            </a:ext>
+          </a:extLst>
+        </p:spPr>
+      </p:pic>
+      <p:pic>
+        <p:nvPicPr>
+          <p:cNvPr id="1030" name="Picture 6" descr="Linkedin png | PNGWing">
+            <a:extLst>
+              <a:ext uri="{FF2B5EF4-FFF2-40B4-BE49-F238E27FC236}">
+                <a16:creationId xmlns:a16="http://schemas.microsoft.com/office/drawing/2014/main" id="{0027BCA5-C5DF-48D6-9E72-DF2C2F92C79B}"/>
+              </a:ext>
+            </a:extLst>
+          </p:cNvPr>
+          <p:cNvPicPr>
+            <a:picLocks noChangeAspect="1" noChangeArrowheads="1"/>
+          </p:cNvPicPr>
+          <p:nvPr/>
+        </p:nvPicPr>
+        <p:blipFill rotWithShape="1">
+          <a:blip r:embed="rId3">
+            <a:extLst>
+              <a:ext uri="{28A0092B-C50C-407E-A947-70E740481C1C}">
+                <a14:useLocalDpi xmlns:a14="http://schemas.microsoft.com/office/drawing/2010/main" val="0"/>
+              </a:ext>
+            </a:extLst>
+          </a:blip>
+          <a:srcRect l="3916" t="2906" r="4969" b="3824"/>
+          <a:stretch/>
+        </p:blipFill>
+        <p:spPr bwMode="auto">
+          <a:xfrm>
+            <a:off x="3624656" y="2606420"/>
+            <a:ext cx="357759" cy="366227"/>
+          </a:xfrm>
+          <a:prstGeom prst="rect">
+            <a:avLst/>
+          </a:prstGeom>
+          <a:extLst>
+            <a:ext uri="{909E8E84-426E-40DD-AFC4-6F175D3DCCD1}">
+              <a14:hiddenFill xmlns:a14="http://schemas.microsoft.com/office/drawing/2010/main">
+                <a:solidFill>
+                  <a:srgbClr val="FFFFFF"/>
+                </a:solidFill>
+              </a14:hiddenFill>
+            </a:ext>
+          </a:extLst>
+        </p:spPr>
+      </p:pic>
+      <p:pic>
+        <p:nvPicPr>
+          <p:cNvPr id="1032" name="Picture 8" descr="GitHub Logos and Usage · GitHub">
+            <a:extLst>
+              <a:ext uri="{FF2B5EF4-FFF2-40B4-BE49-F238E27FC236}">
+                <a16:creationId xmlns:a16="http://schemas.microsoft.com/office/drawing/2014/main" id="{DD7FAB9C-9790-42DE-9930-D25404C7D8D0}"/>
+              </a:ext>
+            </a:extLst>
+          </p:cNvPr>
+          <p:cNvPicPr>
+            <a:picLocks noChangeAspect="1" noChangeArrowheads="1"/>
+          </p:cNvPicPr>
+          <p:nvPr/>
+        </p:nvPicPr>
+        <p:blipFill rotWithShape="1">
+          <a:blip r:embed="rId4">
+            <a:extLst>
+              <a:ext uri="{28A0092B-C50C-407E-A947-70E740481C1C}">
+                <a14:useLocalDpi xmlns:a14="http://schemas.microsoft.com/office/drawing/2010/main" val="0"/>
+              </a:ext>
+            </a:extLst>
+          </a:blip>
+          <a:srcRect l="10499" t="11690" r="10074" b="12006"/>
+          <a:stretch/>
+        </p:blipFill>
+        <p:spPr bwMode="auto">
+          <a:xfrm>
+            <a:off x="4791101" y="2608060"/>
+            <a:ext cx="379756" cy="365407"/>
+          </a:xfrm>
+          <a:prstGeom prst="rect">
+            <a:avLst/>
+          </a:prstGeom>
+          <a:extLst>
+            <a:ext uri="{909E8E84-426E-40DD-AFC4-6F175D3DCCD1}">
+              <a14:hiddenFill xmlns:a14="http://schemas.microsoft.com/office/drawing/2010/main">
+                <a:solidFill>
+                  <a:srgbClr val="FFFFFF"/>
+                </a:solidFill>
+              </a14:hiddenFill>
+            </a:ext>
+          </a:extLst>
+        </p:spPr>
+      </p:pic>
+      <p:pic>
+        <p:nvPicPr>
+          <p:cNvPr id="1038" name="Picture 14">
+            <a:extLst>
+              <a:ext uri="{FF2B5EF4-FFF2-40B4-BE49-F238E27FC236}">
+                <a16:creationId xmlns:a16="http://schemas.microsoft.com/office/drawing/2014/main" id="{07D31937-F195-4D27-9DC6-5139083F103E}"/>
+              </a:ext>
+            </a:extLst>
+          </p:cNvPr>
+          <p:cNvPicPr>
+            <a:picLocks noChangeAspect="1" noChangeArrowheads="1"/>
+          </p:cNvPicPr>
+          <p:nvPr/>
+        </p:nvPicPr>
+        <p:blipFill>
+          <a:blip r:embed="rId5">
+            <a:extLst>
+              <a:ext uri="{28A0092B-C50C-407E-A947-70E740481C1C}">
+                <a14:useLocalDpi xmlns:a14="http://schemas.microsoft.com/office/drawing/2010/main" val="0"/>
+              </a:ext>
+            </a:extLst>
+          </a:blip>
+          <a:srcRect/>
+          <a:stretch>
+            <a:fillRect/>
+          </a:stretch>
+        </p:blipFill>
+        <p:spPr bwMode="auto">
+          <a:xfrm>
+            <a:off x="5456831" y="2608060"/>
+            <a:ext cx="356959" cy="365407"/>
+          </a:xfrm>
+          <a:prstGeom prst="rect">
+            <a:avLst/>
+          </a:prstGeom>
+          <a:extLst>
+            <a:ext uri="{909E8E84-426E-40DD-AFC4-6F175D3DCCD1}">
+              <a14:hiddenFill xmlns:a14="http://schemas.microsoft.com/office/drawing/2010/main">
+                <a:solidFill>
+                  <a:srgbClr val="FFFFFF"/>
+                </a:solidFill>
+              </a14:hiddenFill>
+            </a:ext>
+          </a:extLst>
+        </p:spPr>
+      </p:pic>
+    </p:spTree>
+    <p:extLst>
+      <p:ext uri="{BB962C8B-B14F-4D97-AF65-F5344CB8AC3E}">
+        <p14:creationId xmlns:p14="http://schemas.microsoft.com/office/powerpoint/2010/main" val="2263353017"/>
       </p:ext>
     </p:extLst>
   </p:cSld>

--- a/Personal Website/photo and doc for site/Yeni Microsoft PowerPoint Sunusu.pptx
+++ b/Personal Website/photo and doc for site/Yeni Microsoft PowerPoint Sunusu.pptx
@@ -263,7 +263,7 @@
           <a:p>
             <a:fld id="{8AE34FB5-B577-41B3-81A4-6254BC188234}" type="datetimeFigureOut">
               <a:rPr lang="tr-TR" smtClean="0"/>
-              <a:t>21.03.2022</a:t>
+              <a:t>22.03.2022</a:t>
             </a:fld>
             <a:endParaRPr lang="tr-TR"/>
           </a:p>
@@ -461,7 +461,7 @@
           <a:p>
             <a:fld id="{8AE34FB5-B577-41B3-81A4-6254BC188234}" type="datetimeFigureOut">
               <a:rPr lang="tr-TR" smtClean="0"/>
-              <a:t>21.03.2022</a:t>
+              <a:t>22.03.2022</a:t>
             </a:fld>
             <a:endParaRPr lang="tr-TR"/>
           </a:p>
@@ -669,7 +669,7 @@
           <a:p>
             <a:fld id="{8AE34FB5-B577-41B3-81A4-6254BC188234}" type="datetimeFigureOut">
               <a:rPr lang="tr-TR" smtClean="0"/>
-              <a:t>21.03.2022</a:t>
+              <a:t>22.03.2022</a:t>
             </a:fld>
             <a:endParaRPr lang="tr-TR"/>
           </a:p>
@@ -867,7 +867,7 @@
           <a:p>
             <a:fld id="{8AE34FB5-B577-41B3-81A4-6254BC188234}" type="datetimeFigureOut">
               <a:rPr lang="tr-TR" smtClean="0"/>
-              <a:t>21.03.2022</a:t>
+              <a:t>22.03.2022</a:t>
             </a:fld>
             <a:endParaRPr lang="tr-TR"/>
           </a:p>
@@ -1142,7 +1142,7 @@
           <a:p>
             <a:fld id="{8AE34FB5-B577-41B3-81A4-6254BC188234}" type="datetimeFigureOut">
               <a:rPr lang="tr-TR" smtClean="0"/>
-              <a:t>21.03.2022</a:t>
+              <a:t>22.03.2022</a:t>
             </a:fld>
             <a:endParaRPr lang="tr-TR"/>
           </a:p>
@@ -1407,7 +1407,7 @@
           <a:p>
             <a:fld id="{8AE34FB5-B577-41B3-81A4-6254BC188234}" type="datetimeFigureOut">
               <a:rPr lang="tr-TR" smtClean="0"/>
-              <a:t>21.03.2022</a:t>
+              <a:t>22.03.2022</a:t>
             </a:fld>
             <a:endParaRPr lang="tr-TR"/>
           </a:p>
@@ -1819,7 +1819,7 @@
           <a:p>
             <a:fld id="{8AE34FB5-B577-41B3-81A4-6254BC188234}" type="datetimeFigureOut">
               <a:rPr lang="tr-TR" smtClean="0"/>
-              <a:t>21.03.2022</a:t>
+              <a:t>22.03.2022</a:t>
             </a:fld>
             <a:endParaRPr lang="tr-TR"/>
           </a:p>
@@ -1960,7 +1960,7 @@
           <a:p>
             <a:fld id="{8AE34FB5-B577-41B3-81A4-6254BC188234}" type="datetimeFigureOut">
               <a:rPr lang="tr-TR" smtClean="0"/>
-              <a:t>21.03.2022</a:t>
+              <a:t>22.03.2022</a:t>
             </a:fld>
             <a:endParaRPr lang="tr-TR"/>
           </a:p>
@@ -2073,7 +2073,7 @@
           <a:p>
             <a:fld id="{8AE34FB5-B577-41B3-81A4-6254BC188234}" type="datetimeFigureOut">
               <a:rPr lang="tr-TR" smtClean="0"/>
-              <a:t>21.03.2022</a:t>
+              <a:t>22.03.2022</a:t>
             </a:fld>
             <a:endParaRPr lang="tr-TR"/>
           </a:p>
@@ -2384,7 +2384,7 @@
           <a:p>
             <a:fld id="{8AE34FB5-B577-41B3-81A4-6254BC188234}" type="datetimeFigureOut">
               <a:rPr lang="tr-TR" smtClean="0"/>
-              <a:t>21.03.2022</a:t>
+              <a:t>22.03.2022</a:t>
             </a:fld>
             <a:endParaRPr lang="tr-TR"/>
           </a:p>
@@ -2672,7 +2672,7 @@
           <a:p>
             <a:fld id="{8AE34FB5-B577-41B3-81A4-6254BC188234}" type="datetimeFigureOut">
               <a:rPr lang="tr-TR" smtClean="0"/>
-              <a:t>21.03.2022</a:t>
+              <a:t>22.03.2022</a:t>
             </a:fld>
             <a:endParaRPr lang="tr-TR"/>
           </a:p>
@@ -2913,7 +2913,7 @@
           <a:p>
             <a:fld id="{8AE34FB5-B577-41B3-81A4-6254BC188234}" type="datetimeFigureOut">
               <a:rPr lang="tr-TR" smtClean="0"/>
-              <a:t>21.03.2022</a:t>
+              <a:t>22.03.2022</a:t>
             </a:fld>
             <a:endParaRPr lang="tr-TR"/>
           </a:p>
@@ -4303,6 +4303,57 @@
           </a:effectLst>
         </p:spPr>
       </p:pic>
+      <p:pic>
+        <p:nvPicPr>
+          <p:cNvPr id="3" name="Resim 2">
+            <a:extLst>
+              <a:ext uri="{FF2B5EF4-FFF2-40B4-BE49-F238E27FC236}">
+                <a16:creationId xmlns:a16="http://schemas.microsoft.com/office/drawing/2014/main" id="{BA83E273-B9F1-46B9-AABA-52745218D252}"/>
+              </a:ext>
+            </a:extLst>
+          </p:cNvPr>
+          <p:cNvPicPr>
+            <a:picLocks noChangeAspect="1"/>
+          </p:cNvPicPr>
+          <p:nvPr/>
+        </p:nvPicPr>
+        <p:blipFill>
+          <a:blip r:embed="rId5">
+            <a:extLst>
+              <a:ext uri="{BEBA8EAE-BF5A-486C-A8C5-ECC9F3942E4B}">
+                <a14:imgProps xmlns:a14="http://schemas.microsoft.com/office/drawing/2010/main">
+                  <a14:imgLayer r:embed="rId3">
+                    <a14:imgEffect>
+                      <a14:backgroundRemoval t="0" b="99279" l="0" r="99446">
+                        <a14:foregroundMark x1="15512" y1="78846" x2="15512" y2="78846"/>
+                        <a14:backgroundMark x1="11080" y1="52163" x2="11080" y2="52163"/>
+                        <a14:backgroundMark x1="28255" y1="49038" x2="28255" y2="49038"/>
+                        <a14:backgroundMark x1="76454" y1="39183" x2="76454" y2="39183"/>
+                        <a14:backgroundMark x1="33241" y1="46875" x2="33241" y2="46875"/>
+                      </a14:backgroundRemoval>
+                    </a14:imgEffect>
+                  </a14:imgLayer>
+                </a14:imgProps>
+              </a:ext>
+              <a:ext uri="{28A0092B-C50C-407E-A947-70E740481C1C}">
+                <a14:useLocalDpi xmlns:a14="http://schemas.microsoft.com/office/drawing/2010/main" val="0"/>
+              </a:ext>
+            </a:extLst>
+          </a:blip>
+          <a:stretch>
+            <a:fillRect/>
+          </a:stretch>
+        </p:blipFill>
+        <p:spPr>
+          <a:xfrm>
+            <a:off x="6504159" y="3842673"/>
+            <a:ext cx="1500447" cy="1729047"/>
+          </a:xfrm>
+          <a:prstGeom prst="rect">
+            <a:avLst/>
+          </a:prstGeom>
+        </p:spPr>
+      </p:pic>
     </p:spTree>
     <p:extLst>
       <p:ext uri="{BB962C8B-B14F-4D97-AF65-F5344CB8AC3E}">
@@ -4400,15 +4451,57 @@
               <a:srgbClr val="FFFFFF"/>
             </a:contourClr>
           </a:sp3d>
-          <a:extLst>
-            <a:ext uri="{909E8E84-426E-40DD-AFC4-6F175D3DCCD1}">
-              <a14:hiddenFill xmlns:a14="http://schemas.microsoft.com/office/drawing/2010/main">
-                <a:solidFill>
-                  <a:srgbClr val="FFFFFF"/>
-                </a:solidFill>
-              </a14:hiddenFill>
-            </a:ext>
-          </a:extLst>
+        </p:spPr>
+      </p:pic>
+      <p:pic>
+        <p:nvPicPr>
+          <p:cNvPr id="3" name="Resim 2">
+            <a:extLst>
+              <a:ext uri="{FF2B5EF4-FFF2-40B4-BE49-F238E27FC236}">
+                <a16:creationId xmlns:a16="http://schemas.microsoft.com/office/drawing/2014/main" id="{BA6A3D5B-8648-434A-B59A-71974F719DDC}"/>
+              </a:ext>
+            </a:extLst>
+          </p:cNvPr>
+          <p:cNvPicPr>
+            <a:picLocks noChangeAspect="1"/>
+          </p:cNvPicPr>
+          <p:nvPr/>
+        </p:nvPicPr>
+        <p:blipFill>
+          <a:blip r:embed="rId3">
+            <a:extLst>
+              <a:ext uri="{BEBA8EAE-BF5A-486C-A8C5-ECC9F3942E4B}">
+                <a14:imgProps xmlns:a14="http://schemas.microsoft.com/office/drawing/2010/main">
+                  <a14:imgLayer r:embed="rId4">
+                    <a14:imgEffect>
+                      <a14:backgroundRemoval t="0" b="99279" l="0" r="99446">
+                        <a14:foregroundMark x1="15512" y1="78846" x2="15512" y2="78846"/>
+                        <a14:backgroundMark x1="11080" y1="52163" x2="11080" y2="52163"/>
+                        <a14:backgroundMark x1="28255" y1="49038" x2="28255" y2="49038"/>
+                        <a14:backgroundMark x1="76454" y1="39183" x2="76454" y2="39183"/>
+                        <a14:backgroundMark x1="33241" y1="46875" x2="33241" y2="46875"/>
+                      </a14:backgroundRemoval>
+                    </a14:imgEffect>
+                  </a14:imgLayer>
+                </a14:imgProps>
+              </a:ext>
+              <a:ext uri="{28A0092B-C50C-407E-A947-70E740481C1C}">
+                <a14:useLocalDpi xmlns:a14="http://schemas.microsoft.com/office/drawing/2010/main" val="0"/>
+              </a:ext>
+            </a:extLst>
+          </a:blip>
+          <a:stretch>
+            <a:fillRect/>
+          </a:stretch>
+        </p:blipFill>
+        <p:spPr>
+          <a:xfrm>
+            <a:off x="3125959" y="2725073"/>
+            <a:ext cx="1500447" cy="1729047"/>
+          </a:xfrm>
+          <a:prstGeom prst="rect">
+            <a:avLst/>
+          </a:prstGeom>
         </p:spPr>
       </p:pic>
     </p:spTree>
